--- a/Lithops.pptx
+++ b/Lithops.pptx
@@ -5561,7 +5561,7 @@
         <p:spPr/>
         <p:txBody>
           <a:bodyPr>
-            <a:normAutofit fontScale="70000" lnSpcReduction="20000"/>
+            <a:normAutofit fontScale="85000" lnSpcReduction="20000"/>
           </a:bodyPr>
           <a:lstStyle/>
           <a:p>
@@ -5632,13 +5632,6 @@
             </a:r>
           </a:p>
           <a:p>
-            <a:pPr lvl="1"/>
-            <a:r>
-              <a:rPr lang="en-US" dirty="0"/>
-              <a:t>Fault tolerance</a:t>
-            </a:r>
-          </a:p>
-          <a:p>
             <a:pPr>
               <a:buFont typeface="Arial" panose="020B0604020202020204" pitchFamily="34" charset="0"/>
               <a:buChar char="•"/>
@@ -5659,14 +5652,7 @@
             <a:pPr lvl="1"/>
             <a:r>
               <a:rPr lang="en-US" dirty="0"/>
-              <a:t>Image processing</a:t>
-            </a:r>
-          </a:p>
-          <a:p>
-            <a:pPr lvl="1"/>
-            <a:r>
-              <a:rPr lang="en-US" dirty="0"/>
-              <a:t>Natural language processing</a:t>
+              <a:t>Scientific program</a:t>
             </a:r>
           </a:p>
           <a:p>
@@ -5680,7 +5666,7 @@
             </a:r>
             <a:r>
               <a:rPr lang="en-US" dirty="0"/>
-              <a:t>. It is easy to use, scalable, and fault-tolerant</a:t>
+              <a:t>. It is easy to use and scalable</a:t>
             </a:r>
           </a:p>
         </p:txBody>
